--- a/ProyectoModulo3_MendozaE1_PreciadoJ2.pptx
+++ b/ProyectoModulo3_MendozaE1_PreciadoJ2.pptx
@@ -4634,7 +4634,7 @@
           <a:p>
             <a:fld id="{1728D8F1-B698-4A74-B104-BB1EA4FABF5C}" type="datetimeFigureOut">
               <a:rPr lang="es-MX" smtClean="0"/>
-              <a:t>02/12/2019</a:t>
+              <a:t>03/12/2019</a:t>
             </a:fld>
             <a:endParaRPr lang="es-MX"/>
           </a:p>
@@ -4885,7 +4885,7 @@
           <a:p>
             <a:fld id="{1728D8F1-B698-4A74-B104-BB1EA4FABF5C}" type="datetimeFigureOut">
               <a:rPr lang="es-MX" smtClean="0"/>
-              <a:t>02/12/2019</a:t>
+              <a:t>03/12/2019</a:t>
             </a:fld>
             <a:endParaRPr lang="es-MX"/>
           </a:p>
@@ -5199,7 +5199,7 @@
           <a:p>
             <a:fld id="{1728D8F1-B698-4A74-B104-BB1EA4FABF5C}" type="datetimeFigureOut">
               <a:rPr lang="es-MX" smtClean="0"/>
-              <a:t>02/12/2019</a:t>
+              <a:t>03/12/2019</a:t>
             </a:fld>
             <a:endParaRPr lang="es-MX"/>
           </a:p>
@@ -5540,7 +5540,7 @@
           <a:p>
             <a:fld id="{1728D8F1-B698-4A74-B104-BB1EA4FABF5C}" type="datetimeFigureOut">
               <a:rPr lang="es-MX" smtClean="0"/>
-              <a:t>02/12/2019</a:t>
+              <a:t>03/12/2019</a:t>
             </a:fld>
             <a:endParaRPr lang="es-MX"/>
           </a:p>
@@ -5854,7 +5854,7 @@
           <a:p>
             <a:fld id="{1728D8F1-B698-4A74-B104-BB1EA4FABF5C}" type="datetimeFigureOut">
               <a:rPr lang="es-MX" smtClean="0"/>
-              <a:t>02/12/2019</a:t>
+              <a:t>03/12/2019</a:t>
             </a:fld>
             <a:endParaRPr lang="es-MX"/>
           </a:p>
@@ -6247,7 +6247,7 @@
           <a:p>
             <a:fld id="{1728D8F1-B698-4A74-B104-BB1EA4FABF5C}" type="datetimeFigureOut">
               <a:rPr lang="es-MX" smtClean="0"/>
-              <a:t>02/12/2019</a:t>
+              <a:t>03/12/2019</a:t>
             </a:fld>
             <a:endParaRPr lang="es-MX"/>
           </a:p>
@@ -6417,7 +6417,7 @@
           <a:p>
             <a:fld id="{1728D8F1-B698-4A74-B104-BB1EA4FABF5C}" type="datetimeFigureOut">
               <a:rPr lang="es-MX" smtClean="0"/>
-              <a:t>02/12/2019</a:t>
+              <a:t>03/12/2019</a:t>
             </a:fld>
             <a:endParaRPr lang="es-MX"/>
           </a:p>
@@ -6597,7 +6597,7 @@
           <a:p>
             <a:fld id="{1728D8F1-B698-4A74-B104-BB1EA4FABF5C}" type="datetimeFigureOut">
               <a:rPr lang="es-MX" smtClean="0"/>
-              <a:t>02/12/2019</a:t>
+              <a:t>03/12/2019</a:t>
             </a:fld>
             <a:endParaRPr lang="es-MX"/>
           </a:p>
@@ -6773,7 +6773,7 @@
           <a:p>
             <a:fld id="{1728D8F1-B698-4A74-B104-BB1EA4FABF5C}" type="datetimeFigureOut">
               <a:rPr lang="es-MX" smtClean="0"/>
-              <a:t>02/12/2019</a:t>
+              <a:t>03/12/2019</a:t>
             </a:fld>
             <a:endParaRPr lang="es-MX"/>
           </a:p>
@@ -7020,7 +7020,7 @@
           <a:p>
             <a:fld id="{1728D8F1-B698-4A74-B104-BB1EA4FABF5C}" type="datetimeFigureOut">
               <a:rPr lang="es-MX" smtClean="0"/>
-              <a:t>02/12/2019</a:t>
+              <a:t>03/12/2019</a:t>
             </a:fld>
             <a:endParaRPr lang="es-MX"/>
           </a:p>
@@ -7252,7 +7252,7 @@
           <a:p>
             <a:fld id="{1728D8F1-B698-4A74-B104-BB1EA4FABF5C}" type="datetimeFigureOut">
               <a:rPr lang="es-MX" smtClean="0"/>
-              <a:t>02/12/2019</a:t>
+              <a:t>03/12/2019</a:t>
             </a:fld>
             <a:endParaRPr lang="es-MX"/>
           </a:p>
@@ -7626,7 +7626,7 @@
           <a:p>
             <a:fld id="{1728D8F1-B698-4A74-B104-BB1EA4FABF5C}" type="datetimeFigureOut">
               <a:rPr lang="es-MX" smtClean="0"/>
-              <a:t>02/12/2019</a:t>
+              <a:t>03/12/2019</a:t>
             </a:fld>
             <a:endParaRPr lang="es-MX"/>
           </a:p>
@@ -7749,7 +7749,7 @@
           <a:p>
             <a:fld id="{1728D8F1-B698-4A74-B104-BB1EA4FABF5C}" type="datetimeFigureOut">
               <a:rPr lang="es-MX" smtClean="0"/>
-              <a:t>02/12/2019</a:t>
+              <a:t>03/12/2019</a:t>
             </a:fld>
             <a:endParaRPr lang="es-MX"/>
           </a:p>
@@ -7844,7 +7844,7 @@
           <a:p>
             <a:fld id="{1728D8F1-B698-4A74-B104-BB1EA4FABF5C}" type="datetimeFigureOut">
               <a:rPr lang="es-MX" smtClean="0"/>
-              <a:t>02/12/2019</a:t>
+              <a:t>03/12/2019</a:t>
             </a:fld>
             <a:endParaRPr lang="es-MX"/>
           </a:p>
@@ -8099,7 +8099,7 @@
           <a:p>
             <a:fld id="{1728D8F1-B698-4A74-B104-BB1EA4FABF5C}" type="datetimeFigureOut">
               <a:rPr lang="es-MX" smtClean="0"/>
-              <a:t>02/12/2019</a:t>
+              <a:t>03/12/2019</a:t>
             </a:fld>
             <a:endParaRPr lang="es-MX"/>
           </a:p>
@@ -8362,7 +8362,7 @@
           <a:p>
             <a:fld id="{1728D8F1-B698-4A74-B104-BB1EA4FABF5C}" type="datetimeFigureOut">
               <a:rPr lang="es-MX" smtClean="0"/>
-              <a:t>02/12/2019</a:t>
+              <a:t>03/12/2019</a:t>
             </a:fld>
             <a:endParaRPr lang="es-MX"/>
           </a:p>
@@ -9105,7 +9105,7 @@
           <a:p>
             <a:fld id="{1728D8F1-B698-4A74-B104-BB1EA4FABF5C}" type="datetimeFigureOut">
               <a:rPr lang="es-MX" smtClean="0"/>
-              <a:t>02/12/2019</a:t>
+              <a:t>03/12/2019</a:t>
             </a:fld>
             <a:endParaRPr lang="es-MX"/>
           </a:p>
@@ -11795,7 +11795,7 @@
             </a:pPr>
             <a:r>
               <a:rPr lang="es-MX" dirty="0"/>
-              <a:t>Determinar la cantidad de especies (coyotes y correcaminos) en 25 años.</a:t>
+              <a:t>Determinar la cantidad de especies (coyotes y correcaminos) en t años.</a:t>
             </a:r>
           </a:p>
           <a:p>
@@ -11939,6 +11939,14 @@
 <file path=ppt/slides/slide4.xml><?xml version="1.0" encoding="utf-8"?>
 <p:sld xmlns:a="http://schemas.openxmlformats.org/drawingml/2006/main" xmlns:r="http://schemas.openxmlformats.org/officeDocument/2006/relationships" xmlns:p="http://schemas.openxmlformats.org/presentationml/2006/main">
   <p:cSld>
+    <p:bg>
+      <p:bgPr>
+        <a:solidFill>
+          <a:schemeClr val="bg1"/>
+        </a:solidFill>
+        <a:effectLst/>
+      </p:bgPr>
+    </p:bg>
     <p:spTree>
       <p:nvGrpSpPr>
         <p:cNvPr id="1" name=""/>
@@ -11969,13 +11977,20 @@
             <p:ph type="title"/>
           </p:nvPr>
         </p:nvSpPr>
-        <p:spPr/>
+        <p:spPr>
+          <a:xfrm>
+            <a:off x="677334" y="609600"/>
+            <a:ext cx="8596668" cy="1320800"/>
+          </a:xfrm>
+        </p:spPr>
         <p:txBody>
-          <a:bodyPr/>
+          <a:bodyPr vert="horz" lIns="91440" tIns="45720" rIns="91440" bIns="45720" rtlCol="0" anchor="t">
+            <a:normAutofit/>
+          </a:bodyPr>
           <a:lstStyle/>
           <a:p>
             <a:r>
-              <a:rPr lang="es-MX" dirty="0"/>
+              <a:rPr lang="en-US"/>
               <a:t>Modelo del problema</a:t>
             </a:r>
           </a:p>
@@ -11995,83 +12010,492 @@
         </p:nvSpPr>
         <p:spPr>
           <a:xfrm>
-            <a:off x="677334" y="4332302"/>
-            <a:ext cx="5528157" cy="2031325"/>
+            <a:off x="6336287" y="2160589"/>
+            <a:ext cx="2934714" cy="3880773"/>
           </a:xfrm>
           <a:prstGeom prst="rect">
             <a:avLst/>
           </a:prstGeom>
-          <a:noFill/>
         </p:spPr>
         <p:txBody>
-          <a:bodyPr wrap="square" rtlCol="0">
-            <a:spAutoFit/>
+          <a:bodyPr vert="horz" lIns="91440" tIns="45720" rIns="91440" bIns="45720" rtlCol="0">
+            <a:normAutofit/>
           </a:bodyPr>
           <a:lstStyle/>
           <a:p>
-            <a:pPr algn="just"/>
+            <a:pPr>
+              <a:lnSpc>
+                <a:spcPct val="90000"/>
+              </a:lnSpc>
+              <a:spcBef>
+                <a:spcPts val="1000"/>
+              </a:spcBef>
+              <a:buClr>
+                <a:schemeClr val="accent1"/>
+              </a:buClr>
+              <a:buSzPct val="80000"/>
+              <a:buFont typeface="Wingdings 3" charset="2"/>
+              <a:buChar char=""/>
+            </a:pPr>
             <a:r>
-              <a:rPr lang="es-MX" i="1" dirty="0"/>
+              <a:rPr lang="en-US" sz="1700" i="1" dirty="0">
+                <a:solidFill>
+                  <a:schemeClr val="tx1">
+                    <a:lumMod val="75000"/>
+                    <a:lumOff val="25000"/>
+                  </a:schemeClr>
+                </a:solidFill>
+              </a:rPr>
               <a:t>k1</a:t>
             </a:r>
             <a:r>
-              <a:rPr lang="es-MX" dirty="0"/>
-              <a:t> = velocidad de crecimiento de los correcaminos.</a:t>
+              <a:rPr lang="en-US" sz="1700" dirty="0">
+                <a:solidFill>
+                  <a:schemeClr val="tx1">
+                    <a:lumMod val="75000"/>
+                    <a:lumOff val="25000"/>
+                  </a:schemeClr>
+                </a:solidFill>
+              </a:rPr>
+              <a:t> = </a:t>
             </a:r>
-          </a:p>
-          <a:p>
-            <a:pPr algn="just"/>
-            <a:endParaRPr lang="es-MX" dirty="0"/>
-          </a:p>
-          <a:p>
-            <a:pPr algn="just"/>
             <a:r>
-              <a:rPr lang="es-MX" i="1" dirty="0"/>
+              <a:rPr lang="en-US" sz="1700" dirty="0" err="1">
+                <a:solidFill>
+                  <a:schemeClr val="tx1">
+                    <a:lumMod val="75000"/>
+                    <a:lumOff val="25000"/>
+                  </a:schemeClr>
+                </a:solidFill>
+              </a:rPr>
+              <a:t>velocidad</a:t>
+            </a:r>
+            <a:r>
+              <a:rPr lang="en-US" sz="1700" dirty="0">
+                <a:solidFill>
+                  <a:schemeClr val="tx1">
+                    <a:lumMod val="75000"/>
+                    <a:lumOff val="25000"/>
+                  </a:schemeClr>
+                </a:solidFill>
+              </a:rPr>
+              <a:t> de </a:t>
+            </a:r>
+            <a:r>
+              <a:rPr lang="en-US" sz="1700" dirty="0" err="1">
+                <a:solidFill>
+                  <a:schemeClr val="tx1">
+                    <a:lumMod val="75000"/>
+                    <a:lumOff val="25000"/>
+                  </a:schemeClr>
+                </a:solidFill>
+              </a:rPr>
+              <a:t>crecimiento</a:t>
+            </a:r>
+            <a:r>
+              <a:rPr lang="en-US" sz="1700" dirty="0">
+                <a:solidFill>
+                  <a:schemeClr val="tx1">
+                    <a:lumMod val="75000"/>
+                    <a:lumOff val="25000"/>
+                  </a:schemeClr>
+                </a:solidFill>
+              </a:rPr>
+              <a:t> de los </a:t>
+            </a:r>
+            <a:r>
+              <a:rPr lang="en-US" sz="1700" dirty="0" err="1">
+                <a:solidFill>
+                  <a:schemeClr val="tx1">
+                    <a:lumMod val="75000"/>
+                    <a:lumOff val="25000"/>
+                  </a:schemeClr>
+                </a:solidFill>
+              </a:rPr>
+              <a:t>correcaminos</a:t>
+            </a:r>
+            <a:r>
+              <a:rPr lang="en-US" sz="1700" dirty="0">
+                <a:solidFill>
+                  <a:schemeClr val="tx1">
+                    <a:lumMod val="75000"/>
+                    <a:lumOff val="25000"/>
+                  </a:schemeClr>
+                </a:solidFill>
+              </a:rPr>
+              <a:t>.</a:t>
+            </a:r>
+          </a:p>
+          <a:p>
+            <a:pPr>
+              <a:lnSpc>
+                <a:spcPct val="90000"/>
+              </a:lnSpc>
+              <a:spcBef>
+                <a:spcPts val="1000"/>
+              </a:spcBef>
+              <a:buClr>
+                <a:schemeClr val="accent1"/>
+              </a:buClr>
+              <a:buSzPct val="80000"/>
+              <a:buFont typeface="Wingdings 3" charset="2"/>
+              <a:buChar char=""/>
+            </a:pPr>
+            <a:endParaRPr lang="en-US" sz="1700" dirty="0">
+              <a:solidFill>
+                <a:schemeClr val="tx1">
+                  <a:lumMod val="75000"/>
+                  <a:lumOff val="25000"/>
+                </a:schemeClr>
+              </a:solidFill>
+            </a:endParaRPr>
+          </a:p>
+          <a:p>
+            <a:pPr>
+              <a:lnSpc>
+                <a:spcPct val="90000"/>
+              </a:lnSpc>
+              <a:spcBef>
+                <a:spcPts val="1000"/>
+              </a:spcBef>
+              <a:buClr>
+                <a:schemeClr val="accent1"/>
+              </a:buClr>
+              <a:buSzPct val="80000"/>
+              <a:buFont typeface="Wingdings 3" charset="2"/>
+              <a:buChar char=""/>
+            </a:pPr>
+            <a:r>
+              <a:rPr lang="en-US" sz="1700" i="1" dirty="0">
+                <a:solidFill>
+                  <a:schemeClr val="tx1">
+                    <a:lumMod val="75000"/>
+                    <a:lumOff val="25000"/>
+                  </a:schemeClr>
+                </a:solidFill>
+              </a:rPr>
               <a:t>k2</a:t>
             </a:r>
             <a:r>
-              <a:rPr lang="es-MX" dirty="0"/>
-              <a:t> = habilidad de coyotes de atrapar correcaminos.</a:t>
+              <a:rPr lang="en-US" sz="1700" dirty="0">
+                <a:solidFill>
+                  <a:schemeClr val="tx1">
+                    <a:lumMod val="75000"/>
+                    <a:lumOff val="25000"/>
+                  </a:schemeClr>
+                </a:solidFill>
+              </a:rPr>
+              <a:t> = </a:t>
             </a:r>
-          </a:p>
-          <a:p>
-            <a:pPr algn="just"/>
-            <a:endParaRPr lang="es-MX" dirty="0"/>
-          </a:p>
-          <a:p>
-            <a:pPr algn="just"/>
             <a:r>
-              <a:rPr lang="es-MX" i="1" dirty="0"/>
+              <a:rPr lang="en-US" sz="1700" dirty="0" err="1">
+                <a:solidFill>
+                  <a:schemeClr val="tx1">
+                    <a:lumMod val="75000"/>
+                    <a:lumOff val="25000"/>
+                  </a:schemeClr>
+                </a:solidFill>
+              </a:rPr>
+              <a:t>habilidad</a:t>
+            </a:r>
+            <a:r>
+              <a:rPr lang="en-US" sz="1700" dirty="0">
+                <a:solidFill>
+                  <a:schemeClr val="tx1">
+                    <a:lumMod val="75000"/>
+                    <a:lumOff val="25000"/>
+                  </a:schemeClr>
+                </a:solidFill>
+              </a:rPr>
+              <a:t> de coyotes de </a:t>
+            </a:r>
+            <a:r>
+              <a:rPr lang="en-US" sz="1700" dirty="0" err="1">
+                <a:solidFill>
+                  <a:schemeClr val="tx1">
+                    <a:lumMod val="75000"/>
+                    <a:lumOff val="25000"/>
+                  </a:schemeClr>
+                </a:solidFill>
+              </a:rPr>
+              <a:t>atrapar</a:t>
+            </a:r>
+            <a:r>
+              <a:rPr lang="en-US" sz="1700" dirty="0">
+                <a:solidFill>
+                  <a:schemeClr val="tx1">
+                    <a:lumMod val="75000"/>
+                    <a:lumOff val="25000"/>
+                  </a:schemeClr>
+                </a:solidFill>
+              </a:rPr>
+              <a:t> </a:t>
+            </a:r>
+            <a:r>
+              <a:rPr lang="en-US" sz="1700" dirty="0" err="1">
+                <a:solidFill>
+                  <a:schemeClr val="tx1">
+                    <a:lumMod val="75000"/>
+                    <a:lumOff val="25000"/>
+                  </a:schemeClr>
+                </a:solidFill>
+              </a:rPr>
+              <a:t>correcaminos</a:t>
+            </a:r>
+            <a:r>
+              <a:rPr lang="en-US" sz="1700" dirty="0">
+                <a:solidFill>
+                  <a:schemeClr val="tx1">
+                    <a:lumMod val="75000"/>
+                    <a:lumOff val="25000"/>
+                  </a:schemeClr>
+                </a:solidFill>
+              </a:rPr>
+              <a:t>.</a:t>
+            </a:r>
+          </a:p>
+          <a:p>
+            <a:pPr>
+              <a:lnSpc>
+                <a:spcPct val="90000"/>
+              </a:lnSpc>
+              <a:spcBef>
+                <a:spcPts val="1000"/>
+              </a:spcBef>
+              <a:buClr>
+                <a:schemeClr val="accent1"/>
+              </a:buClr>
+              <a:buSzPct val="80000"/>
+              <a:buFont typeface="Wingdings 3" charset="2"/>
+              <a:buChar char=""/>
+            </a:pPr>
+            <a:endParaRPr lang="en-US" sz="1700" dirty="0">
+              <a:solidFill>
+                <a:schemeClr val="tx1">
+                  <a:lumMod val="75000"/>
+                  <a:lumOff val="25000"/>
+                </a:schemeClr>
+              </a:solidFill>
+            </a:endParaRPr>
+          </a:p>
+          <a:p>
+            <a:pPr>
+              <a:lnSpc>
+                <a:spcPct val="90000"/>
+              </a:lnSpc>
+              <a:spcBef>
+                <a:spcPts val="1000"/>
+              </a:spcBef>
+              <a:buClr>
+                <a:schemeClr val="accent1"/>
+              </a:buClr>
+              <a:buSzPct val="80000"/>
+              <a:buFont typeface="Wingdings 3" charset="2"/>
+              <a:buChar char=""/>
+            </a:pPr>
+            <a:r>
+              <a:rPr lang="en-US" sz="1700" i="1" dirty="0">
+                <a:solidFill>
+                  <a:schemeClr val="tx1">
+                    <a:lumMod val="75000"/>
+                    <a:lumOff val="25000"/>
+                  </a:schemeClr>
+                </a:solidFill>
+              </a:rPr>
               <a:t>k3</a:t>
             </a:r>
             <a:r>
-              <a:rPr lang="es-MX" dirty="0"/>
-              <a:t> = habilidad de correcaminos de huir.</a:t>
+              <a:rPr lang="en-US" sz="1700" dirty="0">
+                <a:solidFill>
+                  <a:schemeClr val="tx1">
+                    <a:lumMod val="75000"/>
+                    <a:lumOff val="25000"/>
+                  </a:schemeClr>
+                </a:solidFill>
+              </a:rPr>
+              <a:t> = </a:t>
             </a:r>
-          </a:p>
-          <a:p>
-            <a:pPr algn="just"/>
-            <a:endParaRPr lang="es-MX" dirty="0"/>
-          </a:p>
-          <a:p>
-            <a:pPr algn="just"/>
             <a:r>
-              <a:rPr lang="es-MX" i="1" dirty="0"/>
+              <a:rPr lang="en-US" sz="1700" dirty="0" err="1">
+                <a:solidFill>
+                  <a:schemeClr val="tx1">
+                    <a:lumMod val="75000"/>
+                    <a:lumOff val="25000"/>
+                  </a:schemeClr>
+                </a:solidFill>
+              </a:rPr>
+              <a:t>habilidad</a:t>
+            </a:r>
+            <a:r>
+              <a:rPr lang="en-US" sz="1700" dirty="0">
+                <a:solidFill>
+                  <a:schemeClr val="tx1">
+                    <a:lumMod val="75000"/>
+                    <a:lumOff val="25000"/>
+                  </a:schemeClr>
+                </a:solidFill>
+              </a:rPr>
+              <a:t> de </a:t>
+            </a:r>
+            <a:r>
+              <a:rPr lang="en-US" sz="1700" dirty="0" err="1">
+                <a:solidFill>
+                  <a:schemeClr val="tx1">
+                    <a:lumMod val="75000"/>
+                    <a:lumOff val="25000"/>
+                  </a:schemeClr>
+                </a:solidFill>
+              </a:rPr>
+              <a:t>correcaminos</a:t>
+            </a:r>
+            <a:r>
+              <a:rPr lang="en-US" sz="1700" dirty="0">
+                <a:solidFill>
+                  <a:schemeClr val="tx1">
+                    <a:lumMod val="75000"/>
+                    <a:lumOff val="25000"/>
+                  </a:schemeClr>
+                </a:solidFill>
+              </a:rPr>
+              <a:t> de </a:t>
+            </a:r>
+            <a:r>
+              <a:rPr lang="en-US" sz="1700" dirty="0" err="1">
+                <a:solidFill>
+                  <a:schemeClr val="tx1">
+                    <a:lumMod val="75000"/>
+                    <a:lumOff val="25000"/>
+                  </a:schemeClr>
+                </a:solidFill>
+              </a:rPr>
+              <a:t>huir</a:t>
+            </a:r>
+            <a:r>
+              <a:rPr lang="en-US" sz="1700" dirty="0">
+                <a:solidFill>
+                  <a:schemeClr val="tx1">
+                    <a:lumMod val="75000"/>
+                    <a:lumOff val="25000"/>
+                  </a:schemeClr>
+                </a:solidFill>
+              </a:rPr>
+              <a:t>.</a:t>
+            </a:r>
+          </a:p>
+          <a:p>
+            <a:pPr>
+              <a:lnSpc>
+                <a:spcPct val="90000"/>
+              </a:lnSpc>
+              <a:spcBef>
+                <a:spcPts val="1000"/>
+              </a:spcBef>
+              <a:buClr>
+                <a:schemeClr val="accent1"/>
+              </a:buClr>
+              <a:buSzPct val="80000"/>
+              <a:buFont typeface="Wingdings 3" charset="2"/>
+              <a:buChar char=""/>
+            </a:pPr>
+            <a:endParaRPr lang="en-US" sz="1700" dirty="0">
+              <a:solidFill>
+                <a:schemeClr val="tx1">
+                  <a:lumMod val="75000"/>
+                  <a:lumOff val="25000"/>
+                </a:schemeClr>
+              </a:solidFill>
+            </a:endParaRPr>
+          </a:p>
+          <a:p>
+            <a:pPr>
+              <a:lnSpc>
+                <a:spcPct val="90000"/>
+              </a:lnSpc>
+              <a:spcBef>
+                <a:spcPts val="1000"/>
+              </a:spcBef>
+              <a:buClr>
+                <a:schemeClr val="accent1"/>
+              </a:buClr>
+              <a:buSzPct val="80000"/>
+              <a:buFont typeface="Wingdings 3" charset="2"/>
+              <a:buChar char=""/>
+            </a:pPr>
+            <a:r>
+              <a:rPr lang="en-US" sz="1700" i="1" dirty="0">
+                <a:solidFill>
+                  <a:schemeClr val="tx1">
+                    <a:lumMod val="75000"/>
+                    <a:lumOff val="25000"/>
+                  </a:schemeClr>
+                </a:solidFill>
+              </a:rPr>
               <a:t>k4</a:t>
             </a:r>
             <a:r>
-              <a:rPr lang="es-MX" dirty="0"/>
-              <a:t> = velocidad de desaparición de los coyotes.</a:t>
+              <a:rPr lang="en-US" sz="1700" dirty="0">
+                <a:solidFill>
+                  <a:schemeClr val="tx1">
+                    <a:lumMod val="75000"/>
+                    <a:lumOff val="25000"/>
+                  </a:schemeClr>
+                </a:solidFill>
+              </a:rPr>
+              <a:t> = </a:t>
+            </a:r>
+            <a:r>
+              <a:rPr lang="en-US" sz="1700" dirty="0" err="1">
+                <a:solidFill>
+                  <a:schemeClr val="tx1">
+                    <a:lumMod val="75000"/>
+                    <a:lumOff val="25000"/>
+                  </a:schemeClr>
+                </a:solidFill>
+              </a:rPr>
+              <a:t>velocidad</a:t>
+            </a:r>
+            <a:r>
+              <a:rPr lang="en-US" sz="1700" dirty="0">
+                <a:solidFill>
+                  <a:schemeClr val="tx1">
+                    <a:lumMod val="75000"/>
+                    <a:lumOff val="25000"/>
+                  </a:schemeClr>
+                </a:solidFill>
+              </a:rPr>
+              <a:t> de </a:t>
+            </a:r>
+            <a:r>
+              <a:rPr lang="en-US" sz="1700" dirty="0" err="1">
+                <a:solidFill>
+                  <a:schemeClr val="tx1">
+                    <a:lumMod val="75000"/>
+                    <a:lumOff val="25000"/>
+                  </a:schemeClr>
+                </a:solidFill>
+              </a:rPr>
+              <a:t>desaparición</a:t>
+            </a:r>
+            <a:r>
+              <a:rPr lang="en-US" sz="1700" dirty="0">
+                <a:solidFill>
+                  <a:schemeClr val="tx1">
+                    <a:lumMod val="75000"/>
+                    <a:lumOff val="25000"/>
+                  </a:schemeClr>
+                </a:solidFill>
+              </a:rPr>
+              <a:t> de los coyotes.</a:t>
             </a:r>
           </a:p>
         </p:txBody>
       </p:sp>
       <p:pic>
         <p:nvPicPr>
-          <p:cNvPr id="5" name="Imagen 4">
+          <p:cNvPr id="3" name="Imagen 2">
             <a:extLst>
               <a:ext uri="{FF2B5EF4-FFF2-40B4-BE49-F238E27FC236}">
-                <a16:creationId xmlns:a16="http://schemas.microsoft.com/office/drawing/2014/main" id="{F4CEC9D1-8553-4BC7-B103-921E55ABBCA4}"/>
+                <a16:creationId xmlns:a16="http://schemas.microsoft.com/office/drawing/2014/main" id="{0A72E4BB-650D-47CA-9F00-7C58A301356B}"/>
               </a:ext>
             </a:extLst>
           </p:cNvPr>
@@ -12080,99 +12504,21 @@
           </p:cNvPicPr>
           <p:nvPr/>
         </p:nvPicPr>
-        <p:blipFill>
+        <p:blipFill rotWithShape="1">
           <a:blip r:embed="rId2"/>
-          <a:stretch>
-            <a:fillRect/>
-          </a:stretch>
+          <a:srcRect l="6974" r="6060" b="1"/>
+          <a:stretch/>
         </p:blipFill>
         <p:spPr>
           <a:xfrm>
-            <a:off x="718967" y="2324100"/>
-            <a:ext cx="2238375" cy="1104900"/>
+            <a:off x="677334" y="2159331"/>
+            <a:ext cx="5423429" cy="3882362"/>
           </a:xfrm>
           <a:prstGeom prst="rect">
             <a:avLst/>
           </a:prstGeom>
         </p:spPr>
       </p:pic>
-      <p:cxnSp>
-        <p:nvCxnSpPr>
-          <p:cNvPr id="6" name="Conector recto de flecha 5">
-            <a:extLst>
-              <a:ext uri="{FF2B5EF4-FFF2-40B4-BE49-F238E27FC236}">
-                <a16:creationId xmlns:a16="http://schemas.microsoft.com/office/drawing/2014/main" id="{0A6AAB46-8212-4740-B7EB-6C8AE282741F}"/>
-              </a:ext>
-            </a:extLst>
-          </p:cNvPr>
-          <p:cNvCxnSpPr/>
-          <p:nvPr/>
-        </p:nvCxnSpPr>
-        <p:spPr>
-          <a:xfrm>
-            <a:off x="3235305" y="2876550"/>
-            <a:ext cx="3497802" cy="0"/>
-          </a:xfrm>
-          <a:prstGeom prst="straightConnector1">
-            <a:avLst/>
-          </a:prstGeom>
-          <a:ln>
-            <a:solidFill>
-              <a:srgbClr val="FF0000"/>
-            </a:solidFill>
-            <a:tailEnd type="triangle"/>
-          </a:ln>
-        </p:spPr>
-        <p:style>
-          <a:lnRef idx="1">
-            <a:schemeClr val="accent1"/>
-          </a:lnRef>
-          <a:fillRef idx="0">
-            <a:schemeClr val="accent1"/>
-          </a:fillRef>
-          <a:effectRef idx="0">
-            <a:schemeClr val="accent1"/>
-          </a:effectRef>
-          <a:fontRef idx="minor">
-            <a:schemeClr val="tx1"/>
-          </a:fontRef>
-        </p:style>
-      </p:cxnSp>
-      <p:sp>
-        <p:nvSpPr>
-          <p:cNvPr id="7" name="CuadroTexto 6">
-            <a:extLst>
-              <a:ext uri="{FF2B5EF4-FFF2-40B4-BE49-F238E27FC236}">
-                <a16:creationId xmlns:a16="http://schemas.microsoft.com/office/drawing/2014/main" id="{E43F2297-5ED8-495B-B99E-452B34F673A5}"/>
-              </a:ext>
-            </a:extLst>
-          </p:cNvPr>
-          <p:cNvSpPr txBox="1"/>
-          <p:nvPr/>
-        </p:nvSpPr>
-        <p:spPr>
-          <a:xfrm>
-            <a:off x="7034948" y="2111345"/>
-            <a:ext cx="3151573" cy="369332"/>
-          </a:xfrm>
-          <a:prstGeom prst="rect">
-            <a:avLst/>
-          </a:prstGeom>
-          <a:noFill/>
-        </p:spPr>
-        <p:txBody>
-          <a:bodyPr wrap="square" rtlCol="0">
-            <a:spAutoFit/>
-          </a:bodyPr>
-          <a:lstStyle/>
-          <a:p>
-            <a:r>
-              <a:rPr lang="es-MX" dirty="0"/>
-              <a:t>Corregir</a:t>
-            </a:r>
-          </a:p>
-        </p:txBody>
-      </p:sp>
     </p:spTree>
     <p:extLst>
       <p:ext uri="{BB962C8B-B14F-4D97-AF65-F5344CB8AC3E}">
@@ -12252,7 +12598,7 @@
           <a:bodyPr/>
           <a:lstStyle/>
           <a:p>
-            <a:endParaRPr lang="es-MX"/>
+            <a:endParaRPr lang="es-MX" dirty="0"/>
           </a:p>
         </p:txBody>
       </p:sp>
@@ -12422,7 +12768,16 @@
           <a:bodyPr/>
           <a:lstStyle/>
           <a:p>
-            <a:endParaRPr lang="es-MX"/>
+            <a:r>
+              <a:rPr lang="es-MX" dirty="0"/>
+              <a:t>Gracias a este método de ecuaciones diferenciales nos pudimos dar cuenta que al simular un sistema ecológico de dos especies, cambiando sus habilidades y el tiempo, existe demasiada variación entre las 10 simulaciones y podríamos seguir simulando con otras especies y habilidades diferentes.</a:t>
+            </a:r>
+          </a:p>
+          <a:p>
+            <a:r>
+              <a:rPr lang="es-MX" dirty="0"/>
+              <a:t>Gracias al algoritmo pudimos obtener el tamaño de población de especies en 25 y 200 años, así como sus máximos y mínimos, si se extinguieron o sobrevivieron a lo largo del tiempo con n numero de especie.</a:t>
+            </a:r>
           </a:p>
         </p:txBody>
       </p:sp>
@@ -12783,21 +13138,6 @@
 </file>
 
 <file path=customXml/item1.xml><?xml version="1.0" encoding="utf-8"?>
-<p:properties xmlns:p="http://schemas.microsoft.com/office/2006/metadata/properties" xmlns:xsi="http://www.w3.org/2001/XMLSchema-instance" xmlns:pc="http://schemas.microsoft.com/office/infopath/2007/PartnerControls">
-  <documentManagement/>
-</p:properties>
-</file>
-
-<file path=customXml/item2.xml><?xml version="1.0" encoding="utf-8"?>
-<?mso-contentType ?>
-<FormTemplates xmlns="http://schemas.microsoft.com/sharepoint/v3/contenttype/forms">
-  <Display>DocumentLibraryForm</Display>
-  <Edit>DocumentLibraryForm</Edit>
-  <New>DocumentLibraryForm</New>
-</FormTemplates>
-</file>
-
-<file path=customXml/item3.xml><?xml version="1.0" encoding="utf-8"?>
 <ct:contentTypeSchema xmlns:ct="http://schemas.microsoft.com/office/2006/metadata/contentType" xmlns:ma="http://schemas.microsoft.com/office/2006/metadata/properties/metaAttributes" ct:_="" ma:_="" ma:contentTypeName="Documento" ma:contentTypeID="0x010100DEADB3BFA95CB746894368A0ADC1E1BA" ma:contentTypeVersion="9" ma:contentTypeDescription="Crear nuevo documento." ma:contentTypeScope="" ma:versionID="d48215e3296689b410f23c831835dca8">
   <xsd:schema xmlns:xsd="http://www.w3.org/2001/XMLSchema" xmlns:xs="http://www.w3.org/2001/XMLSchema" xmlns:p="http://schemas.microsoft.com/office/2006/metadata/properties" xmlns:ns3="cd9fc6a0-58a7-4d27-ab51-10307ee08ace" targetNamespace="http://schemas.microsoft.com/office/2006/metadata/properties" ma:root="true" ma:fieldsID="95baad558f7dc2bbdb427f374e69cdb0" ns3:_="">
     <xsd:import namespace="cd9fc6a0-58a7-4d27-ab51-10307ee08ace"/>
@@ -12975,24 +13315,22 @@
 </ct:contentTypeSchema>
 </file>
 
-<file path=customXml/itemProps1.xml><?xml version="1.0" encoding="utf-8"?>
-<ds:datastoreItem xmlns:ds="http://schemas.openxmlformats.org/officeDocument/2006/customXml" ds:itemID="{6C8A8F0D-3011-4A7F-AABF-9A43FFDA087C}">
-  <ds:schemaRefs>
-    <ds:schemaRef ds:uri="http://schemas.microsoft.com/office/2006/metadata/properties"/>
-    <ds:schemaRef ds:uri="http://schemas.microsoft.com/office/infopath/2007/PartnerControls"/>
-  </ds:schemaRefs>
-</ds:datastoreItem>
+<file path=customXml/item2.xml><?xml version="1.0" encoding="utf-8"?>
+<?mso-contentType ?>
+<FormTemplates xmlns="http://schemas.microsoft.com/sharepoint/v3/contenttype/forms">
+  <Display>DocumentLibraryForm</Display>
+  <Edit>DocumentLibraryForm</Edit>
+  <New>DocumentLibraryForm</New>
+</FormTemplates>
 </file>
 
-<file path=customXml/itemProps2.xml><?xml version="1.0" encoding="utf-8"?>
-<ds:datastoreItem xmlns:ds="http://schemas.openxmlformats.org/officeDocument/2006/customXml" ds:itemID="{03B92730-9F8C-4BC9-A52A-162753CF62B7}">
-  <ds:schemaRefs>
-    <ds:schemaRef ds:uri="http://schemas.microsoft.com/sharepoint/v3/contenttype/forms"/>
-  </ds:schemaRefs>
-</ds:datastoreItem>
+<file path=customXml/item3.xml><?xml version="1.0" encoding="utf-8"?>
+<p:properties xmlns:p="http://schemas.microsoft.com/office/2006/metadata/properties" xmlns:xsi="http://www.w3.org/2001/XMLSchema-instance" xmlns:pc="http://schemas.microsoft.com/office/infopath/2007/PartnerControls">
+  <documentManagement/>
+</p:properties>
 </file>
 
-<file path=customXml/itemProps3.xml><?xml version="1.0" encoding="utf-8"?>
+<file path=customXml/itemProps1.xml><?xml version="1.0" encoding="utf-8"?>
 <ds:datastoreItem xmlns:ds="http://schemas.openxmlformats.org/officeDocument/2006/customXml" ds:itemID="{F3D88A10-DFCF-4702-A512-67D68470411B}">
   <ds:schemaRefs>
     <ds:schemaRef ds:uri="http://schemas.microsoft.com/office/2006/metadata/contentType"/>
@@ -13008,4 +13346,21 @@
     <ds:schemaRef ds:uri="http://schemas.microsoft.com/internal/obd"/>
   </ds:schemaRefs>
 </ds:datastoreItem>
+</file>
+
+<file path=customXml/itemProps2.xml><?xml version="1.0" encoding="utf-8"?>
+<ds:datastoreItem xmlns:ds="http://schemas.openxmlformats.org/officeDocument/2006/customXml" ds:itemID="{03B92730-9F8C-4BC9-A52A-162753CF62B7}">
+  <ds:schemaRefs>
+    <ds:schemaRef ds:uri="http://schemas.microsoft.com/sharepoint/v3/contenttype/forms"/>
+  </ds:schemaRefs>
+</ds:datastoreItem>
+</file>
+
+<file path=customXml/itemProps3.xml><?xml version="1.0" encoding="utf-8"?>
+<ds:datastoreItem xmlns:ds="http://schemas.openxmlformats.org/officeDocument/2006/customXml" ds:itemID="{6C8A8F0D-3011-4A7F-AABF-9A43FFDA087C}">
+  <ds:schemaRefs>
+    <ds:schemaRef ds:uri="http://schemas.microsoft.com/office/2006/metadata/properties"/>
+    <ds:schemaRef ds:uri="http://schemas.microsoft.com/office/infopath/2007/PartnerControls"/>
+  </ds:schemaRefs>
+</ds:datastoreItem>
 </file>